--- a/FrontEnd_Gui Wireframe.pptx
+++ b/FrontEnd_Gui Wireframe.pptx
@@ -8,7 +8,8 @@
     <p:sldId id="256" r:id="rId2"/>
     <p:sldId id="257" r:id="rId3"/>
     <p:sldId id="258" r:id="rId4"/>
-    <p:sldId id="259" r:id="rId5"/>
+    <p:sldId id="260" r:id="rId5"/>
+    <p:sldId id="259" r:id="rId6"/>
   </p:sldIdLst>
   <p:sldSz cx="12192000" cy="6858000"/>
   <p:notesSz cx="6858000" cy="9144000"/>
@@ -107,6 +108,11 @@
       </a:defRPr>
     </a:lvl9pPr>
   </p:defaultTextStyle>
+  <p:extLst>
+    <p:ext uri="{EFAFB233-063F-42B5-8137-9DF3F51BA10A}">
+      <p15:sldGuideLst xmlns:p15="http://schemas.microsoft.com/office/powerpoint/2012/main"/>
+    </p:ext>
+  </p:extLst>
 </p:presentation>
 </file>
 
@@ -271,7 +277,7 @@
           <a:p>
             <a:fld id="{C3A5FCD3-E66E-4DA5-9B0E-58874681A903}" type="datetimeFigureOut">
               <a:rPr lang="en-SG" smtClean="0"/>
-              <a:t>21/2/2021</a:t>
+              <a:t>5/3/2021</a:t>
             </a:fld>
             <a:endParaRPr lang="en-SG"/>
           </a:p>
@@ -471,7 +477,7 @@
           <a:p>
             <a:fld id="{C3A5FCD3-E66E-4DA5-9B0E-58874681A903}" type="datetimeFigureOut">
               <a:rPr lang="en-SG" smtClean="0"/>
-              <a:t>21/2/2021</a:t>
+              <a:t>5/3/2021</a:t>
             </a:fld>
             <a:endParaRPr lang="en-SG"/>
           </a:p>
@@ -681,7 +687,7 @@
           <a:p>
             <a:fld id="{C3A5FCD3-E66E-4DA5-9B0E-58874681A903}" type="datetimeFigureOut">
               <a:rPr lang="en-SG" smtClean="0"/>
-              <a:t>21/2/2021</a:t>
+              <a:t>5/3/2021</a:t>
             </a:fld>
             <a:endParaRPr lang="en-SG"/>
           </a:p>
@@ -881,7 +887,7 @@
           <a:p>
             <a:fld id="{C3A5FCD3-E66E-4DA5-9B0E-58874681A903}" type="datetimeFigureOut">
               <a:rPr lang="en-SG" smtClean="0"/>
-              <a:t>21/2/2021</a:t>
+              <a:t>5/3/2021</a:t>
             </a:fld>
             <a:endParaRPr lang="en-SG"/>
           </a:p>
@@ -1157,7 +1163,7 @@
           <a:p>
             <a:fld id="{C3A5FCD3-E66E-4DA5-9B0E-58874681A903}" type="datetimeFigureOut">
               <a:rPr lang="en-SG" smtClean="0"/>
-              <a:t>21/2/2021</a:t>
+              <a:t>5/3/2021</a:t>
             </a:fld>
             <a:endParaRPr lang="en-SG"/>
           </a:p>
@@ -1425,7 +1431,7 @@
           <a:p>
             <a:fld id="{C3A5FCD3-E66E-4DA5-9B0E-58874681A903}" type="datetimeFigureOut">
               <a:rPr lang="en-SG" smtClean="0"/>
-              <a:t>21/2/2021</a:t>
+              <a:t>5/3/2021</a:t>
             </a:fld>
             <a:endParaRPr lang="en-SG"/>
           </a:p>
@@ -1840,7 +1846,7 @@
           <a:p>
             <a:fld id="{C3A5FCD3-E66E-4DA5-9B0E-58874681A903}" type="datetimeFigureOut">
               <a:rPr lang="en-SG" smtClean="0"/>
-              <a:t>21/2/2021</a:t>
+              <a:t>5/3/2021</a:t>
             </a:fld>
             <a:endParaRPr lang="en-SG"/>
           </a:p>
@@ -1982,7 +1988,7 @@
           <a:p>
             <a:fld id="{C3A5FCD3-E66E-4DA5-9B0E-58874681A903}" type="datetimeFigureOut">
               <a:rPr lang="en-SG" smtClean="0"/>
-              <a:t>21/2/2021</a:t>
+              <a:t>5/3/2021</a:t>
             </a:fld>
             <a:endParaRPr lang="en-SG"/>
           </a:p>
@@ -2095,7 +2101,7 @@
           <a:p>
             <a:fld id="{C3A5FCD3-E66E-4DA5-9B0E-58874681A903}" type="datetimeFigureOut">
               <a:rPr lang="en-SG" smtClean="0"/>
-              <a:t>21/2/2021</a:t>
+              <a:t>5/3/2021</a:t>
             </a:fld>
             <a:endParaRPr lang="en-SG"/>
           </a:p>
@@ -2408,7 +2414,7 @@
           <a:p>
             <a:fld id="{C3A5FCD3-E66E-4DA5-9B0E-58874681A903}" type="datetimeFigureOut">
               <a:rPr lang="en-SG" smtClean="0"/>
-              <a:t>21/2/2021</a:t>
+              <a:t>5/3/2021</a:t>
             </a:fld>
             <a:endParaRPr lang="en-SG"/>
           </a:p>
@@ -2697,7 +2703,7 @@
           <a:p>
             <a:fld id="{C3A5FCD3-E66E-4DA5-9B0E-58874681A903}" type="datetimeFigureOut">
               <a:rPr lang="en-SG" smtClean="0"/>
-              <a:t>21/2/2021</a:t>
+              <a:t>5/3/2021</a:t>
             </a:fld>
             <a:endParaRPr lang="en-SG"/>
           </a:p>
@@ -2940,7 +2946,7 @@
           <a:p>
             <a:fld id="{C3A5FCD3-E66E-4DA5-9B0E-58874681A903}" type="datetimeFigureOut">
               <a:rPr lang="en-SG" smtClean="0"/>
-              <a:t>21/2/2021</a:t>
+              <a:t>5/3/2021</a:t>
             </a:fld>
             <a:endParaRPr lang="en-SG"/>
           </a:p>
@@ -4424,7 +4430,7 @@
               <a:t> | Due Date | </a:t>
             </a:r>
             <a:r>
-              <a:rPr lang="en-SG" i="1" dirty="0">
+              <a:rPr lang="en-SG" b="1" i="1" dirty="0">
                 <a:solidFill>
                   <a:schemeClr val="tx1"/>
                 </a:solidFill>
@@ -6331,8 +6337,8 @@
         </p:nvSpPr>
         <p:spPr>
           <a:xfrm>
-            <a:off x="658811" y="1532487"/>
-            <a:ext cx="6959903" cy="993310"/>
+            <a:off x="648537" y="1511939"/>
+            <a:ext cx="6959903" cy="928744"/>
           </a:xfrm>
           <a:prstGeom prst="rect">
             <a:avLst/>
@@ -6369,7 +6375,7 @@
           <a:bodyPr rtlCol="0" anchor="ctr"/>
           <a:lstStyle/>
           <a:p>
-            <a:pPr algn="ctr"/>
+            <a:pPr algn="r"/>
             <a:r>
               <a:rPr lang="en-SG" dirty="0">
                 <a:solidFill>
@@ -6380,7 +6386,7 @@
             </a:r>
           </a:p>
           <a:p>
-            <a:pPr algn="ctr"/>
+            <a:pPr algn="r"/>
             <a:r>
               <a:rPr lang="en-SG" dirty="0">
                 <a:solidFill>
@@ -6637,8 +6643,8 @@
         </p:nvSpPr>
         <p:spPr>
           <a:xfrm>
-            <a:off x="658811" y="2624228"/>
-            <a:ext cx="6959903" cy="3430799"/>
+            <a:off x="636972" y="4458985"/>
+            <a:ext cx="6959903" cy="1588618"/>
           </a:xfrm>
           <a:prstGeom prst="rect">
             <a:avLst/>
@@ -6674,185 +6680,6 @@
         <p:txBody>
           <a:bodyPr rtlCol="0" anchor="ctr"/>
           <a:lstStyle/>
-          <a:p>
-            <a:pPr algn="ctr"/>
-            <a:r>
-              <a:rPr lang="en-SG" b="1" dirty="0">
-                <a:solidFill>
-                  <a:schemeClr val="tx1"/>
-                </a:solidFill>
-              </a:rPr>
-              <a:t>Search Results:  </a:t>
-            </a:r>
-          </a:p>
-          <a:p>
-            <a:pPr marL="342900" indent="-342900" algn="ctr">
-              <a:buFont typeface="+mj-lt"/>
-              <a:buAutoNum type="arabicPeriod"/>
-            </a:pPr>
-            <a:r>
-              <a:rPr lang="en-SG" dirty="0" err="1">
-                <a:solidFill>
-                  <a:schemeClr val="tx1"/>
-                </a:solidFill>
-              </a:rPr>
-              <a:t>BookID</a:t>
-            </a:r>
-            <a:r>
-              <a:rPr lang="en-SG" dirty="0">
-                <a:solidFill>
-                  <a:schemeClr val="tx1"/>
-                </a:solidFill>
-              </a:rPr>
-              <a:t> | Title | availability | expected due date |</a:t>
-            </a:r>
-          </a:p>
-          <a:p>
-            <a:pPr marL="342900" indent="-342900" algn="ctr">
-              <a:buFont typeface="+mj-lt"/>
-              <a:buAutoNum type="arabicPeriod"/>
-            </a:pPr>
-            <a:r>
-              <a:rPr lang="en-SG" dirty="0" err="1">
-                <a:solidFill>
-                  <a:schemeClr val="tx1"/>
-                </a:solidFill>
-              </a:rPr>
-              <a:t>BookID</a:t>
-            </a:r>
-            <a:r>
-              <a:rPr lang="en-SG" dirty="0">
-                <a:solidFill>
-                  <a:schemeClr val="tx1"/>
-                </a:solidFill>
-              </a:rPr>
-              <a:t> | Title | </a:t>
-            </a:r>
-            <a:r>
-              <a:rPr lang="en-SG" dirty="0">
-                <a:solidFill>
-                  <a:srgbClr val="00B050"/>
-                </a:solidFill>
-              </a:rPr>
-              <a:t>available</a:t>
-            </a:r>
-            <a:r>
-              <a:rPr lang="en-SG" dirty="0">
-                <a:solidFill>
-                  <a:schemeClr val="tx1"/>
-                </a:solidFill>
-              </a:rPr>
-              <a:t> | - | [borrow]</a:t>
-            </a:r>
-          </a:p>
-          <a:p>
-            <a:pPr marL="342900" indent="-342900" algn="ctr">
-              <a:buFont typeface="+mj-lt"/>
-              <a:buAutoNum type="arabicPeriod"/>
-            </a:pPr>
-            <a:r>
-              <a:rPr lang="en-SG" dirty="0" err="1">
-                <a:solidFill>
-                  <a:schemeClr val="tx1"/>
-                </a:solidFill>
-              </a:rPr>
-              <a:t>BookID</a:t>
-            </a:r>
-            <a:r>
-              <a:rPr lang="en-SG" dirty="0">
-                <a:solidFill>
-                  <a:schemeClr val="tx1"/>
-                </a:solidFill>
-              </a:rPr>
-              <a:t> | Title | </a:t>
-            </a:r>
-            <a:r>
-              <a:rPr lang="en-SG" dirty="0">
-                <a:solidFill>
-                  <a:srgbClr val="FF0000"/>
-                </a:solidFill>
-              </a:rPr>
-              <a:t>loaned</a:t>
-            </a:r>
-            <a:r>
-              <a:rPr lang="en-SG" dirty="0">
-                <a:solidFill>
-                  <a:schemeClr val="tx1"/>
-                </a:solidFill>
-              </a:rPr>
-              <a:t> | dd/mm/</a:t>
-            </a:r>
-            <a:r>
-              <a:rPr lang="en-SG" dirty="0" err="1">
-                <a:solidFill>
-                  <a:schemeClr val="tx1"/>
-                </a:solidFill>
-              </a:rPr>
-              <a:t>yy</a:t>
-            </a:r>
-            <a:r>
-              <a:rPr lang="en-SG" dirty="0">
-                <a:solidFill>
-                  <a:schemeClr val="tx1"/>
-                </a:solidFill>
-              </a:rPr>
-              <a:t> | [reserve]</a:t>
-            </a:r>
-          </a:p>
-          <a:p>
-            <a:pPr marL="342900" indent="-342900" algn="ctr">
-              <a:buFont typeface="+mj-lt"/>
-              <a:buAutoNum type="arabicPeriod"/>
-            </a:pPr>
-            <a:r>
-              <a:rPr lang="en-SG" dirty="0" err="1">
-                <a:solidFill>
-                  <a:schemeClr val="tx1"/>
-                </a:solidFill>
-              </a:rPr>
-              <a:t>BookID</a:t>
-            </a:r>
-            <a:r>
-              <a:rPr lang="en-SG" dirty="0">
-                <a:solidFill>
-                  <a:schemeClr val="tx1"/>
-                </a:solidFill>
-              </a:rPr>
-              <a:t> | Title | </a:t>
-            </a:r>
-            <a:r>
-              <a:rPr lang="en-SG" dirty="0">
-                <a:solidFill>
-                  <a:srgbClr val="FF0000"/>
-                </a:solidFill>
-              </a:rPr>
-              <a:t>reserved</a:t>
-            </a:r>
-            <a:r>
-              <a:rPr lang="en-SG" dirty="0">
-                <a:solidFill>
-                  <a:schemeClr val="tx1"/>
-                </a:solidFill>
-              </a:rPr>
-              <a:t> | dd/mm/</a:t>
-            </a:r>
-            <a:r>
-              <a:rPr lang="en-SG" dirty="0" err="1">
-                <a:solidFill>
-                  <a:schemeClr val="tx1"/>
-                </a:solidFill>
-              </a:rPr>
-              <a:t>yy</a:t>
-            </a:r>
-            <a:r>
-              <a:rPr lang="en-SG" dirty="0">
-                <a:solidFill>
-                  <a:schemeClr val="tx1"/>
-                </a:solidFill>
-              </a:rPr>
-              <a:t> | [-]</a:t>
-            </a:r>
-          </a:p>
           <a:p>
             <a:pPr marL="342900" indent="-342900" algn="ctr">
               <a:buFont typeface="+mj-lt"/>
@@ -7195,6 +7022,676 @@
           </a:p>
         </p:txBody>
       </p:sp>
+      <p:sp>
+        <p:nvSpPr>
+          <p:cNvPr id="18" name="Rectangle 17">
+            <a:extLst>
+              <a:ext uri="{FF2B5EF4-FFF2-40B4-BE49-F238E27FC236}">
+                <a16:creationId xmlns:a16="http://schemas.microsoft.com/office/drawing/2014/main" id="{5088F218-137A-4DDA-8F9A-8C53D137A6B6}"/>
+              </a:ext>
+            </a:extLst>
+          </p:cNvPr>
+          <p:cNvSpPr/>
+          <p:nvPr/>
+        </p:nvSpPr>
+        <p:spPr>
+          <a:xfrm>
+            <a:off x="8281107" y="4272196"/>
+            <a:ext cx="2847878" cy="2169701"/>
+          </a:xfrm>
+          <a:prstGeom prst="rect">
+            <a:avLst/>
+          </a:prstGeom>
+          <a:solidFill>
+            <a:schemeClr val="bg1"/>
+          </a:solidFill>
+          <a:ln w="28575">
+            <a:solidFill>
+              <a:schemeClr val="tx1">
+                <a:lumMod val="85000"/>
+                <a:lumOff val="15000"/>
+              </a:schemeClr>
+            </a:solidFill>
+          </a:ln>
+        </p:spPr>
+        <p:style>
+          <a:lnRef idx="2">
+            <a:schemeClr val="accent1">
+              <a:shade val="50000"/>
+            </a:schemeClr>
+          </a:lnRef>
+          <a:fillRef idx="1">
+            <a:schemeClr val="accent1"/>
+          </a:fillRef>
+          <a:effectRef idx="0">
+            <a:schemeClr val="accent1"/>
+          </a:effectRef>
+          <a:fontRef idx="minor">
+            <a:schemeClr val="lt1"/>
+          </a:fontRef>
+        </p:style>
+        <p:txBody>
+          <a:bodyPr rtlCol="0" anchor="ctr"/>
+          <a:lstStyle/>
+          <a:p>
+            <a:pPr algn="ctr"/>
+            <a:endParaRPr lang="en-SG" dirty="0">
+              <a:solidFill>
+                <a:schemeClr val="tx1"/>
+              </a:solidFill>
+            </a:endParaRPr>
+          </a:p>
+        </p:txBody>
+      </p:sp>
+      <p:sp>
+        <p:nvSpPr>
+          <p:cNvPr id="2" name="Rectangle 1">
+            <a:extLst>
+              <a:ext uri="{FF2B5EF4-FFF2-40B4-BE49-F238E27FC236}">
+                <a16:creationId xmlns:a16="http://schemas.microsoft.com/office/drawing/2014/main" id="{4C143B3D-3604-4EE8-A89F-7467F1A3EDC6}"/>
+              </a:ext>
+            </a:extLst>
+          </p:cNvPr>
+          <p:cNvSpPr/>
+          <p:nvPr/>
+        </p:nvSpPr>
+        <p:spPr>
+          <a:xfrm>
+            <a:off x="815072" y="4619078"/>
+            <a:ext cx="1268432" cy="1268432"/>
+          </a:xfrm>
+          <a:prstGeom prst="rect">
+            <a:avLst/>
+          </a:prstGeom>
+        </p:spPr>
+        <p:style>
+          <a:lnRef idx="2">
+            <a:schemeClr val="accent1">
+              <a:shade val="50000"/>
+            </a:schemeClr>
+          </a:lnRef>
+          <a:fillRef idx="1">
+            <a:schemeClr val="accent1"/>
+          </a:fillRef>
+          <a:effectRef idx="0">
+            <a:schemeClr val="accent1"/>
+          </a:effectRef>
+          <a:fontRef idx="minor">
+            <a:schemeClr val="lt1"/>
+          </a:fontRef>
+        </p:style>
+        <p:txBody>
+          <a:bodyPr rtlCol="0" anchor="ctr"/>
+          <a:lstStyle/>
+          <a:p>
+            <a:pPr algn="ctr"/>
+            <a:endParaRPr lang="en-SG"/>
+          </a:p>
+        </p:txBody>
+      </p:sp>
+      <p:sp>
+        <p:nvSpPr>
+          <p:cNvPr id="4" name="TextBox 3">
+            <a:extLst>
+              <a:ext uri="{FF2B5EF4-FFF2-40B4-BE49-F238E27FC236}">
+                <a16:creationId xmlns:a16="http://schemas.microsoft.com/office/drawing/2014/main" id="{98224537-E0A9-4F67-9F20-CBCFA295E876}"/>
+              </a:ext>
+            </a:extLst>
+          </p:cNvPr>
+          <p:cNvSpPr txBox="1"/>
+          <p:nvPr/>
+        </p:nvSpPr>
+        <p:spPr>
+          <a:xfrm>
+            <a:off x="2184109" y="4619078"/>
+            <a:ext cx="1099335" cy="369332"/>
+          </a:xfrm>
+          <a:prstGeom prst="rect">
+            <a:avLst/>
+          </a:prstGeom>
+          <a:noFill/>
+        </p:spPr>
+        <p:txBody>
+          <a:bodyPr wrap="square" rtlCol="0">
+            <a:spAutoFit/>
+          </a:bodyPr>
+          <a:lstStyle/>
+          <a:p>
+            <a:r>
+              <a:rPr lang="en-SG" dirty="0" err="1"/>
+              <a:t>BookTitle</a:t>
+            </a:r>
+            <a:endParaRPr lang="en-SG" dirty="0"/>
+          </a:p>
+        </p:txBody>
+      </p:sp>
+      <p:sp>
+        <p:nvSpPr>
+          <p:cNvPr id="20" name="TextBox 19">
+            <a:extLst>
+              <a:ext uri="{FF2B5EF4-FFF2-40B4-BE49-F238E27FC236}">
+                <a16:creationId xmlns:a16="http://schemas.microsoft.com/office/drawing/2014/main" id="{671E443A-AF7A-47D0-88F6-96009A1DA301}"/>
+              </a:ext>
+            </a:extLst>
+          </p:cNvPr>
+          <p:cNvSpPr txBox="1"/>
+          <p:nvPr/>
+        </p:nvSpPr>
+        <p:spPr>
+          <a:xfrm>
+            <a:off x="2184109" y="4954666"/>
+            <a:ext cx="3684705" cy="646331"/>
+          </a:xfrm>
+          <a:prstGeom prst="rect">
+            <a:avLst/>
+          </a:prstGeom>
+          <a:noFill/>
+        </p:spPr>
+        <p:txBody>
+          <a:bodyPr wrap="square" rtlCol="0">
+            <a:spAutoFit/>
+          </a:bodyPr>
+          <a:lstStyle/>
+          <a:p>
+            <a:r>
+              <a:rPr lang="en-SG" i="1" dirty="0"/>
+              <a:t>This book is a book about Java and Object Oriented Programming </a:t>
+            </a:r>
+          </a:p>
+        </p:txBody>
+      </p:sp>
+      <p:sp>
+        <p:nvSpPr>
+          <p:cNvPr id="21" name="TextBox 20">
+            <a:extLst>
+              <a:ext uri="{FF2B5EF4-FFF2-40B4-BE49-F238E27FC236}">
+                <a16:creationId xmlns:a16="http://schemas.microsoft.com/office/drawing/2014/main" id="{804BC96A-0970-4EBD-A8B4-54470D7A1029}"/>
+              </a:ext>
+            </a:extLst>
+          </p:cNvPr>
+          <p:cNvSpPr txBox="1"/>
+          <p:nvPr/>
+        </p:nvSpPr>
+        <p:spPr>
+          <a:xfrm>
+            <a:off x="2184110" y="5546440"/>
+            <a:ext cx="3250920" cy="369332"/>
+          </a:xfrm>
+          <a:prstGeom prst="rect">
+            <a:avLst/>
+          </a:prstGeom>
+          <a:noFill/>
+        </p:spPr>
+        <p:txBody>
+          <a:bodyPr wrap="square" rtlCol="0">
+            <a:spAutoFit/>
+          </a:bodyPr>
+          <a:lstStyle/>
+          <a:p>
+            <a:r>
+              <a:rPr lang="en-SG" b="1" dirty="0"/>
+              <a:t>ISBN: </a:t>
+            </a:r>
+            <a:r>
+              <a:rPr lang="en-SG" dirty="0"/>
+              <a:t>5555555555 </a:t>
+            </a:r>
+          </a:p>
+        </p:txBody>
+      </p:sp>
+      <p:sp>
+        <p:nvSpPr>
+          <p:cNvPr id="23" name="TextBox 22">
+            <a:extLst>
+              <a:ext uri="{FF2B5EF4-FFF2-40B4-BE49-F238E27FC236}">
+                <a16:creationId xmlns:a16="http://schemas.microsoft.com/office/drawing/2014/main" id="{5D4B0125-FEA3-445D-9F6D-0352305DEC39}"/>
+              </a:ext>
+            </a:extLst>
+          </p:cNvPr>
+          <p:cNvSpPr txBox="1"/>
+          <p:nvPr/>
+        </p:nvSpPr>
+        <p:spPr>
+          <a:xfrm>
+            <a:off x="679644" y="2652718"/>
+            <a:ext cx="6097712" cy="1754326"/>
+          </a:xfrm>
+          <a:prstGeom prst="rect">
+            <a:avLst/>
+          </a:prstGeom>
+          <a:noFill/>
+        </p:spPr>
+        <p:txBody>
+          <a:bodyPr wrap="square">
+            <a:spAutoFit/>
+          </a:bodyPr>
+          <a:lstStyle/>
+          <a:p>
+            <a:pPr marL="342900" indent="-342900">
+              <a:buFont typeface="+mj-lt"/>
+              <a:buAutoNum type="arabicPeriod"/>
+            </a:pPr>
+            <a:r>
+              <a:rPr lang="en-SG" dirty="0" err="1">
+                <a:solidFill>
+                  <a:schemeClr val="tx1"/>
+                </a:solidFill>
+              </a:rPr>
+              <a:t>BookID</a:t>
+            </a:r>
+            <a:r>
+              <a:rPr lang="en-SG" dirty="0">
+                <a:solidFill>
+                  <a:schemeClr val="tx1"/>
+                </a:solidFill>
+              </a:rPr>
+              <a:t> | Title | availability | expected due date |</a:t>
+            </a:r>
+          </a:p>
+          <a:p>
+            <a:pPr marL="342900" indent="-342900">
+              <a:buFont typeface="+mj-lt"/>
+              <a:buAutoNum type="arabicPeriod"/>
+            </a:pPr>
+            <a:r>
+              <a:rPr lang="en-SG" dirty="0" err="1">
+                <a:solidFill>
+                  <a:schemeClr val="tx1"/>
+                </a:solidFill>
+              </a:rPr>
+              <a:t>BookID</a:t>
+            </a:r>
+            <a:r>
+              <a:rPr lang="en-SG" dirty="0">
+                <a:solidFill>
+                  <a:schemeClr val="tx1"/>
+                </a:solidFill>
+              </a:rPr>
+              <a:t> | Title | </a:t>
+            </a:r>
+            <a:r>
+              <a:rPr lang="en-SG" dirty="0">
+                <a:solidFill>
+                  <a:srgbClr val="00B050"/>
+                </a:solidFill>
+              </a:rPr>
+              <a:t>available</a:t>
+            </a:r>
+            <a:r>
+              <a:rPr lang="en-SG" dirty="0">
+                <a:solidFill>
+                  <a:schemeClr val="tx1"/>
+                </a:solidFill>
+              </a:rPr>
+              <a:t> | - | [borrow]</a:t>
+            </a:r>
+          </a:p>
+          <a:p>
+            <a:pPr marL="342900" indent="-342900">
+              <a:buFont typeface="+mj-lt"/>
+              <a:buAutoNum type="arabicPeriod"/>
+            </a:pPr>
+            <a:r>
+              <a:rPr lang="en-SG" dirty="0" err="1">
+                <a:solidFill>
+                  <a:schemeClr val="tx1"/>
+                </a:solidFill>
+              </a:rPr>
+              <a:t>BookID</a:t>
+            </a:r>
+            <a:r>
+              <a:rPr lang="en-SG" dirty="0">
+                <a:solidFill>
+                  <a:schemeClr val="tx1"/>
+                </a:solidFill>
+              </a:rPr>
+              <a:t> | Title | </a:t>
+            </a:r>
+            <a:r>
+              <a:rPr lang="en-SG" dirty="0">
+                <a:solidFill>
+                  <a:srgbClr val="FF0000"/>
+                </a:solidFill>
+              </a:rPr>
+              <a:t>loaned</a:t>
+            </a:r>
+            <a:r>
+              <a:rPr lang="en-SG" dirty="0">
+                <a:solidFill>
+                  <a:schemeClr val="tx1"/>
+                </a:solidFill>
+              </a:rPr>
+              <a:t> | dd/mm/</a:t>
+            </a:r>
+            <a:r>
+              <a:rPr lang="en-SG" dirty="0" err="1">
+                <a:solidFill>
+                  <a:schemeClr val="tx1"/>
+                </a:solidFill>
+              </a:rPr>
+              <a:t>yy</a:t>
+            </a:r>
+            <a:r>
+              <a:rPr lang="en-SG" dirty="0">
+                <a:solidFill>
+                  <a:schemeClr val="tx1"/>
+                </a:solidFill>
+              </a:rPr>
+              <a:t> | [reserve]</a:t>
+            </a:r>
+          </a:p>
+          <a:p>
+            <a:pPr marL="342900" indent="-342900">
+              <a:buFont typeface="+mj-lt"/>
+              <a:buAutoNum type="arabicPeriod"/>
+            </a:pPr>
+            <a:r>
+              <a:rPr lang="en-SG" dirty="0" err="1">
+                <a:solidFill>
+                  <a:schemeClr val="tx1"/>
+                </a:solidFill>
+              </a:rPr>
+              <a:t>BookID</a:t>
+            </a:r>
+            <a:r>
+              <a:rPr lang="en-SG" dirty="0">
+                <a:solidFill>
+                  <a:schemeClr val="tx1"/>
+                </a:solidFill>
+              </a:rPr>
+              <a:t> | Title | </a:t>
+            </a:r>
+            <a:r>
+              <a:rPr lang="en-SG" dirty="0">
+                <a:solidFill>
+                  <a:srgbClr val="FF0000"/>
+                </a:solidFill>
+              </a:rPr>
+              <a:t>reserved</a:t>
+            </a:r>
+            <a:r>
+              <a:rPr lang="en-SG" dirty="0">
+                <a:solidFill>
+                  <a:schemeClr val="tx1"/>
+                </a:solidFill>
+              </a:rPr>
+              <a:t> | dd/mm/</a:t>
+            </a:r>
+            <a:r>
+              <a:rPr lang="en-SG" dirty="0" err="1">
+                <a:solidFill>
+                  <a:schemeClr val="tx1"/>
+                </a:solidFill>
+              </a:rPr>
+              <a:t>yy</a:t>
+            </a:r>
+            <a:r>
+              <a:rPr lang="en-SG" dirty="0">
+                <a:solidFill>
+                  <a:schemeClr val="tx1"/>
+                </a:solidFill>
+              </a:rPr>
+              <a:t> | [-]</a:t>
+            </a:r>
+          </a:p>
+          <a:p>
+            <a:pPr marL="342900" indent="-342900">
+              <a:buFont typeface="+mj-lt"/>
+              <a:buAutoNum type="arabicPeriod"/>
+            </a:pPr>
+            <a:r>
+              <a:rPr lang="en-SG" dirty="0" err="1">
+                <a:solidFill>
+                  <a:schemeClr val="tx1"/>
+                </a:solidFill>
+              </a:rPr>
+              <a:t>BookID</a:t>
+            </a:r>
+            <a:r>
+              <a:rPr lang="en-SG" dirty="0">
+                <a:solidFill>
+                  <a:schemeClr val="tx1"/>
+                </a:solidFill>
+              </a:rPr>
+              <a:t> | Title | </a:t>
+            </a:r>
+            <a:r>
+              <a:rPr lang="en-SG" dirty="0">
+                <a:solidFill>
+                  <a:srgbClr val="FF0000"/>
+                </a:solidFill>
+              </a:rPr>
+              <a:t>reserved</a:t>
+            </a:r>
+            <a:r>
+              <a:rPr lang="en-SG" dirty="0">
+                <a:solidFill>
+                  <a:schemeClr val="tx1"/>
+                </a:solidFill>
+              </a:rPr>
+              <a:t> | dd/mm/</a:t>
+            </a:r>
+            <a:r>
+              <a:rPr lang="en-SG" dirty="0" err="1">
+                <a:solidFill>
+                  <a:schemeClr val="tx1"/>
+                </a:solidFill>
+              </a:rPr>
+              <a:t>yy</a:t>
+            </a:r>
+            <a:r>
+              <a:rPr lang="en-SG" dirty="0">
+                <a:solidFill>
+                  <a:schemeClr val="tx1"/>
+                </a:solidFill>
+              </a:rPr>
+              <a:t> | [-]</a:t>
+            </a:r>
+          </a:p>
+          <a:p>
+            <a:pPr marL="342900" indent="-342900">
+              <a:buFont typeface="+mj-lt"/>
+              <a:buAutoNum type="arabicPeriod"/>
+            </a:pPr>
+            <a:r>
+              <a:rPr lang="en-SG" dirty="0" err="1">
+                <a:solidFill>
+                  <a:schemeClr val="tx1"/>
+                </a:solidFill>
+              </a:rPr>
+              <a:t>BookID</a:t>
+            </a:r>
+            <a:r>
+              <a:rPr lang="en-SG" dirty="0">
+                <a:solidFill>
+                  <a:schemeClr val="tx1"/>
+                </a:solidFill>
+              </a:rPr>
+              <a:t> | Title | </a:t>
+            </a:r>
+            <a:r>
+              <a:rPr lang="en-SG" dirty="0">
+                <a:solidFill>
+                  <a:srgbClr val="FF0000"/>
+                </a:solidFill>
+              </a:rPr>
+              <a:t>reserved</a:t>
+            </a:r>
+            <a:r>
+              <a:rPr lang="en-SG" dirty="0">
+                <a:solidFill>
+                  <a:schemeClr val="tx1"/>
+                </a:solidFill>
+              </a:rPr>
+              <a:t> | dd/mm/</a:t>
+            </a:r>
+            <a:r>
+              <a:rPr lang="en-SG" dirty="0" err="1">
+                <a:solidFill>
+                  <a:schemeClr val="tx1"/>
+                </a:solidFill>
+              </a:rPr>
+              <a:t>yy</a:t>
+            </a:r>
+            <a:r>
+              <a:rPr lang="en-SG" dirty="0">
+                <a:solidFill>
+                  <a:schemeClr val="tx1"/>
+                </a:solidFill>
+              </a:rPr>
+              <a:t> | [-]</a:t>
+            </a:r>
+          </a:p>
+        </p:txBody>
+      </p:sp>
+      <p:sp>
+        <p:nvSpPr>
+          <p:cNvPr id="6" name="Rectangle 5">
+            <a:extLst>
+              <a:ext uri="{FF2B5EF4-FFF2-40B4-BE49-F238E27FC236}">
+                <a16:creationId xmlns:a16="http://schemas.microsoft.com/office/drawing/2014/main" id="{881A462A-D98E-41B6-81CC-2141873FA945}"/>
+              </a:ext>
+            </a:extLst>
+          </p:cNvPr>
+          <p:cNvSpPr/>
+          <p:nvPr/>
+        </p:nvSpPr>
+        <p:spPr>
+          <a:xfrm>
+            <a:off x="5743254" y="4798031"/>
+            <a:ext cx="1629311" cy="369332"/>
+          </a:xfrm>
+          <a:prstGeom prst="rect">
+            <a:avLst/>
+          </a:prstGeom>
+          <a:solidFill>
+            <a:schemeClr val="accent6">
+              <a:lumMod val="75000"/>
+            </a:schemeClr>
+          </a:solidFill>
+          <a:ln>
+            <a:solidFill>
+              <a:schemeClr val="tx1"/>
+            </a:solidFill>
+          </a:ln>
+        </p:spPr>
+        <p:style>
+          <a:lnRef idx="2">
+            <a:schemeClr val="accent1">
+              <a:shade val="50000"/>
+            </a:schemeClr>
+          </a:lnRef>
+          <a:fillRef idx="1">
+            <a:schemeClr val="accent1"/>
+          </a:fillRef>
+          <a:effectRef idx="0">
+            <a:schemeClr val="accent1"/>
+          </a:effectRef>
+          <a:fontRef idx="minor">
+            <a:schemeClr val="lt1"/>
+          </a:fontRef>
+        </p:style>
+        <p:txBody>
+          <a:bodyPr rtlCol="0" anchor="ctr"/>
+          <a:lstStyle/>
+          <a:p>
+            <a:pPr algn="ctr"/>
+            <a:r>
+              <a:rPr lang="en-SG" dirty="0"/>
+              <a:t>Borrow</a:t>
+            </a:r>
+          </a:p>
+        </p:txBody>
+      </p:sp>
+      <p:sp>
+        <p:nvSpPr>
+          <p:cNvPr id="25" name="Rectangle 24">
+            <a:extLst>
+              <a:ext uri="{FF2B5EF4-FFF2-40B4-BE49-F238E27FC236}">
+                <a16:creationId xmlns:a16="http://schemas.microsoft.com/office/drawing/2014/main" id="{7913DE7F-2CB6-4F76-AE58-E79A28CDF925}"/>
+              </a:ext>
+            </a:extLst>
+          </p:cNvPr>
+          <p:cNvSpPr/>
+          <p:nvPr/>
+        </p:nvSpPr>
+        <p:spPr>
+          <a:xfrm>
+            <a:off x="5743254" y="5379397"/>
+            <a:ext cx="1629311" cy="369332"/>
+          </a:xfrm>
+          <a:prstGeom prst="rect">
+            <a:avLst/>
+          </a:prstGeom>
+          <a:solidFill>
+            <a:schemeClr val="accent4">
+              <a:lumMod val="75000"/>
+            </a:schemeClr>
+          </a:solidFill>
+          <a:ln>
+            <a:solidFill>
+              <a:schemeClr val="tx1"/>
+            </a:solidFill>
+          </a:ln>
+        </p:spPr>
+        <p:style>
+          <a:lnRef idx="2">
+            <a:schemeClr val="accent1">
+              <a:shade val="50000"/>
+            </a:schemeClr>
+          </a:lnRef>
+          <a:fillRef idx="1">
+            <a:schemeClr val="accent1"/>
+          </a:fillRef>
+          <a:effectRef idx="0">
+            <a:schemeClr val="accent1"/>
+          </a:effectRef>
+          <a:fontRef idx="minor">
+            <a:schemeClr val="lt1"/>
+          </a:fontRef>
+        </p:style>
+        <p:txBody>
+          <a:bodyPr rtlCol="0" anchor="ctr"/>
+          <a:lstStyle/>
+          <a:p>
+            <a:pPr algn="ctr"/>
+            <a:r>
+              <a:rPr lang="en-SG" dirty="0"/>
+              <a:t>Reserve</a:t>
+            </a:r>
+          </a:p>
+        </p:txBody>
+      </p:sp>
+      <p:pic>
+        <p:nvPicPr>
+          <p:cNvPr id="8" name="Picture 7">
+            <a:extLst>
+              <a:ext uri="{FF2B5EF4-FFF2-40B4-BE49-F238E27FC236}">
+                <a16:creationId xmlns:a16="http://schemas.microsoft.com/office/drawing/2014/main" id="{74E05740-BBD3-4521-AC99-9C45BFE89AD2}"/>
+              </a:ext>
+            </a:extLst>
+          </p:cNvPr>
+          <p:cNvPicPr>
+            <a:picLocks noChangeAspect="1"/>
+          </p:cNvPicPr>
+          <p:nvPr/>
+        </p:nvPicPr>
+        <p:blipFill>
+          <a:blip r:embed="rId2"/>
+          <a:stretch>
+            <a:fillRect/>
+          </a:stretch>
+        </p:blipFill>
+        <p:spPr>
+          <a:xfrm>
+            <a:off x="679644" y="2524138"/>
+            <a:ext cx="5372100" cy="1905749"/>
+          </a:xfrm>
+          <a:prstGeom prst="rect">
+            <a:avLst/>
+          </a:prstGeom>
+        </p:spPr>
+      </p:pic>
     </p:spTree>
     <p:extLst>
       <p:ext uri="{BB962C8B-B14F-4D97-AF65-F5344CB8AC3E}">
@@ -7239,8 +7736,8 @@
         </p:nvSpPr>
         <p:spPr>
           <a:xfrm>
-            <a:off x="536367" y="619017"/>
-            <a:ext cx="7161115" cy="5619965"/>
+            <a:off x="423353" y="516277"/>
+            <a:ext cx="7161115" cy="6110556"/>
           </a:xfrm>
           <a:prstGeom prst="rect">
             <a:avLst/>
@@ -7288,10 +7785,58 @@
       </p:sp>
       <p:sp>
         <p:nvSpPr>
-          <p:cNvPr id="54" name="Rectangle 53">
-            <a:extLst>
-              <a:ext uri="{FF2B5EF4-FFF2-40B4-BE49-F238E27FC236}">
-                <a16:creationId xmlns:a16="http://schemas.microsoft.com/office/drawing/2014/main" id="{7B3B22F9-01EA-4843-A492-FEDB11A6826D}"/>
+          <p:cNvPr id="17" name="TextBox 16">
+            <a:extLst>
+              <a:ext uri="{FF2B5EF4-FFF2-40B4-BE49-F238E27FC236}">
+                <a16:creationId xmlns:a16="http://schemas.microsoft.com/office/drawing/2014/main" id="{7F61FBF8-E6FB-4B4C-A7AE-C80827EB3AF9}"/>
+              </a:ext>
+            </a:extLst>
+          </p:cNvPr>
+          <p:cNvSpPr txBox="1"/>
+          <p:nvPr/>
+        </p:nvSpPr>
+        <p:spPr>
+          <a:xfrm>
+            <a:off x="423353" y="134762"/>
+            <a:ext cx="5895255" cy="369332"/>
+          </a:xfrm>
+          <a:prstGeom prst="rect">
+            <a:avLst/>
+          </a:prstGeom>
+          <a:noFill/>
+        </p:spPr>
+        <p:txBody>
+          <a:bodyPr wrap="square" rtlCol="0">
+            <a:spAutoFit/>
+          </a:bodyPr>
+          <a:lstStyle/>
+          <a:p>
+            <a:r>
+              <a:rPr lang="en-SG" b="1" dirty="0"/>
+              <a:t>Search with </a:t>
+            </a:r>
+            <a:r>
+              <a:rPr lang="en-SG" b="1" dirty="0" err="1"/>
+              <a:t>Advacned</a:t>
+            </a:r>
+            <a:r>
+              <a:rPr lang="en-SG" b="1" dirty="0"/>
+              <a:t> </a:t>
+            </a:r>
+            <a:r>
+              <a:rPr lang="en-SG" b="1" dirty="0" err="1"/>
+              <a:t>Searchdisplay</a:t>
+            </a:r>
+            <a:endParaRPr lang="en-SG" b="1" dirty="0"/>
+          </a:p>
+        </p:txBody>
+      </p:sp>
+      <p:sp>
+        <p:nvSpPr>
+          <p:cNvPr id="27" name="Rectangle 26">
+            <a:extLst>
+              <a:ext uri="{FF2B5EF4-FFF2-40B4-BE49-F238E27FC236}">
+                <a16:creationId xmlns:a16="http://schemas.microsoft.com/office/drawing/2014/main" id="{B3FD76AD-805A-4469-B3AF-824CD6DACB29}"/>
               </a:ext>
             </a:extLst>
           </p:cNvPr>
@@ -7300,16 +7845,14 @@
         </p:nvSpPr>
         <p:spPr>
           <a:xfrm>
-            <a:off x="536367" y="1023728"/>
-            <a:ext cx="7161115" cy="395021"/>
+            <a:off x="523958" y="1017058"/>
+            <a:ext cx="6959903" cy="1320886"/>
           </a:xfrm>
           <a:prstGeom prst="rect">
             <a:avLst/>
           </a:prstGeom>
           <a:solidFill>
-            <a:schemeClr val="bg1">
-              <a:lumMod val="95000"/>
-            </a:schemeClr>
+            <a:schemeClr val="bg1"/>
           </a:solidFill>
           <a:ln w="28575">
             <a:solidFill>
@@ -7340,7 +7883,7 @@
           <a:bodyPr rtlCol="0" anchor="ctr"/>
           <a:lstStyle/>
           <a:p>
-            <a:pPr algn="ctr"/>
+            <a:pPr algn="r"/>
             <a:endParaRPr lang="en-SG" dirty="0">
               <a:solidFill>
                 <a:schemeClr val="tx1"/>
@@ -7351,41 +7894,6 @@
       </p:sp>
       <p:sp>
         <p:nvSpPr>
-          <p:cNvPr id="17" name="TextBox 16">
-            <a:extLst>
-              <a:ext uri="{FF2B5EF4-FFF2-40B4-BE49-F238E27FC236}">
-                <a16:creationId xmlns:a16="http://schemas.microsoft.com/office/drawing/2014/main" id="{7F61FBF8-E6FB-4B4C-A7AE-C80827EB3AF9}"/>
-              </a:ext>
-            </a:extLst>
-          </p:cNvPr>
-          <p:cNvSpPr txBox="1"/>
-          <p:nvPr/>
-        </p:nvSpPr>
-        <p:spPr>
-          <a:xfrm>
-            <a:off x="536367" y="237502"/>
-            <a:ext cx="2518291" cy="369332"/>
-          </a:xfrm>
-          <a:prstGeom prst="rect">
-            <a:avLst/>
-          </a:prstGeom>
-          <a:noFill/>
-        </p:spPr>
-        <p:txBody>
-          <a:bodyPr wrap="square" rtlCol="0">
-            <a:spAutoFit/>
-          </a:bodyPr>
-          <a:lstStyle/>
-          <a:p>
-            <a:r>
-              <a:rPr lang="en-SG" b="1" dirty="0"/>
-              <a:t>Admin Pane</a:t>
-            </a:r>
-          </a:p>
-        </p:txBody>
-      </p:sp>
-      <p:sp>
-        <p:nvSpPr>
           <p:cNvPr id="29" name="Rectangle 28">
             <a:extLst>
               <a:ext uri="{FF2B5EF4-FFF2-40B4-BE49-F238E27FC236}">
@@ -7398,7 +7906,7 @@
         </p:nvSpPr>
         <p:spPr>
           <a:xfrm>
-            <a:off x="536367" y="620125"/>
+            <a:off x="423353" y="517385"/>
             <a:ext cx="7161115" cy="395021"/>
           </a:xfrm>
           <a:prstGeom prst="rect">
@@ -7461,8 +7969,8 @@
         </p:nvSpPr>
         <p:spPr>
           <a:xfrm>
-            <a:off x="5702157" y="694891"/>
-            <a:ext cx="1916557" cy="268271"/>
+            <a:off x="5822984" y="592151"/>
+            <a:ext cx="1682716" cy="268272"/>
           </a:xfrm>
           <a:prstGeom prst="rect">
             <a:avLst/>
@@ -7506,15 +8014,7 @@
                   <a:schemeClr val="tx1"/>
                 </a:solidFill>
               </a:rPr>
-              <a:t>Welcome </a:t>
-            </a:r>
-            <a:r>
-              <a:rPr lang="en-SG" b="1" dirty="0">
-                <a:solidFill>
-                  <a:schemeClr val="tx1"/>
-                </a:solidFill>
-              </a:rPr>
-              <a:t>Admin</a:t>
+              <a:t>Welcome User</a:t>
             </a:r>
           </a:p>
         </p:txBody>
@@ -7533,7 +8033,7 @@
         </p:nvSpPr>
         <p:spPr>
           <a:xfrm>
-            <a:off x="658811" y="685014"/>
+            <a:off x="545797" y="582274"/>
             <a:ext cx="312523" cy="247940"/>
           </a:xfrm>
           <a:prstGeom prst="leftArrow">
@@ -7585,7 +8085,7 @@
         </p:nvSpPr>
         <p:spPr>
           <a:xfrm rot="10800000">
-            <a:off x="1554959" y="685014"/>
+            <a:off x="1441945" y="582274"/>
             <a:ext cx="312523" cy="247940"/>
           </a:xfrm>
           <a:prstGeom prst="leftArrow">
@@ -7625,10 +8125,10 @@
       </p:sp>
       <p:sp>
         <p:nvSpPr>
-          <p:cNvPr id="52" name="Rectangle 51">
-            <a:extLst>
-              <a:ext uri="{FF2B5EF4-FFF2-40B4-BE49-F238E27FC236}">
-                <a16:creationId xmlns:a16="http://schemas.microsoft.com/office/drawing/2014/main" id="{C22050A7-7988-426C-9E08-7820267DC1A4}"/>
+          <p:cNvPr id="34" name="Rectangle 33">
+            <a:extLst>
+              <a:ext uri="{FF2B5EF4-FFF2-40B4-BE49-F238E27FC236}">
+                <a16:creationId xmlns:a16="http://schemas.microsoft.com/office/drawing/2014/main" id="{5EA413E2-0EBC-4D63-B6F7-56CA93C46B68}"/>
               </a:ext>
             </a:extLst>
           </p:cNvPr>
@@ -7637,8 +8137,8 @@
         </p:nvSpPr>
         <p:spPr>
           <a:xfrm>
-            <a:off x="3812259" y="1083073"/>
-            <a:ext cx="931142" cy="306578"/>
+            <a:off x="523958" y="4356245"/>
+            <a:ext cx="6959903" cy="1588618"/>
           </a:xfrm>
           <a:prstGeom prst="rect">
             <a:avLst/>
@@ -7646,9 +8146,12 @@
           <a:solidFill>
             <a:schemeClr val="bg1"/>
           </a:solidFill>
-          <a:ln w="12700">
+          <a:ln w="28575">
             <a:solidFill>
-              <a:schemeClr val="tx1"/>
+              <a:schemeClr val="tx1">
+                <a:lumMod val="85000"/>
+                <a:lumOff val="15000"/>
+              </a:schemeClr>
             </a:solidFill>
           </a:ln>
         </p:spPr>
@@ -7672,24 +8175,24 @@
           <a:bodyPr rtlCol="0" anchor="ctr"/>
           <a:lstStyle/>
           <a:p>
-            <a:pPr algn="ctr"/>
-            <a:r>
-              <a:rPr lang="en-SG" dirty="0">
-                <a:solidFill>
-                  <a:schemeClr val="tx1"/>
-                </a:solidFill>
-              </a:rPr>
-              <a:t>Search</a:t>
-            </a:r>
-          </a:p>
-        </p:txBody>
-      </p:sp>
-      <p:sp>
-        <p:nvSpPr>
-          <p:cNvPr id="53" name="Rectangle 52">
-            <a:extLst>
-              <a:ext uri="{FF2B5EF4-FFF2-40B4-BE49-F238E27FC236}">
-                <a16:creationId xmlns:a16="http://schemas.microsoft.com/office/drawing/2014/main" id="{D8FD3F3E-E399-4791-B67E-37A9D402C66B}"/>
+            <a:pPr marL="342900" indent="-342900" algn="ctr">
+              <a:buFont typeface="+mj-lt"/>
+              <a:buAutoNum type="arabicPeriod"/>
+            </a:pPr>
+            <a:endParaRPr lang="en-SG" i="1" dirty="0">
+              <a:solidFill>
+                <a:schemeClr val="tx1"/>
+              </a:solidFill>
+            </a:endParaRPr>
+          </a:p>
+        </p:txBody>
+      </p:sp>
+      <p:sp>
+        <p:nvSpPr>
+          <p:cNvPr id="28" name="Rectangle 27">
+            <a:extLst>
+              <a:ext uri="{FF2B5EF4-FFF2-40B4-BE49-F238E27FC236}">
+                <a16:creationId xmlns:a16="http://schemas.microsoft.com/office/drawing/2014/main" id="{48591035-2D26-4557-86DB-7863CE5858AD}"/>
               </a:ext>
             </a:extLst>
           </p:cNvPr>
@@ -7698,8 +8201,8 @@
         </p:nvSpPr>
         <p:spPr>
           <a:xfrm>
-            <a:off x="4803041" y="1082412"/>
-            <a:ext cx="1089613" cy="288409"/>
+            <a:off x="8284126" y="963162"/>
+            <a:ext cx="2847878" cy="1661065"/>
           </a:xfrm>
           <a:prstGeom prst="rect">
             <a:avLst/>
@@ -7707,9 +8210,12 @@
           <a:solidFill>
             <a:schemeClr val="bg1"/>
           </a:solidFill>
-          <a:ln w="12700">
+          <a:ln w="28575">
             <a:solidFill>
-              <a:schemeClr val="tx1"/>
+              <a:schemeClr val="tx1">
+                <a:lumMod val="85000"/>
+                <a:lumOff val="15000"/>
+              </a:schemeClr>
             </a:solidFill>
           </a:ln>
         </p:spPr>
@@ -7740,8 +8246,1226 @@
                   <a:schemeClr val="tx1"/>
                 </a:solidFill>
               </a:rPr>
-              <a:t>Pay Fines</a:t>
-            </a:r>
+              <a:t>Confirm Borrow [</a:t>
+            </a:r>
+            <a:r>
+              <a:rPr lang="en-SG" dirty="0" err="1">
+                <a:solidFill>
+                  <a:schemeClr val="tx1"/>
+                </a:solidFill>
+              </a:rPr>
+              <a:t>book_title</a:t>
+            </a:r>
+            <a:r>
+              <a:rPr lang="en-SG" dirty="0">
+                <a:solidFill>
+                  <a:schemeClr val="tx1"/>
+                </a:solidFill>
+              </a:rPr>
+              <a:t>]? </a:t>
+            </a:r>
+          </a:p>
+        </p:txBody>
+      </p:sp>
+      <p:sp>
+        <p:nvSpPr>
+          <p:cNvPr id="33" name="TextBox 32">
+            <a:extLst>
+              <a:ext uri="{FF2B5EF4-FFF2-40B4-BE49-F238E27FC236}">
+                <a16:creationId xmlns:a16="http://schemas.microsoft.com/office/drawing/2014/main" id="{EFD2A21C-2218-4347-8D9D-D059E67B58AD}"/>
+              </a:ext>
+            </a:extLst>
+          </p:cNvPr>
+          <p:cNvSpPr txBox="1"/>
+          <p:nvPr/>
+        </p:nvSpPr>
+        <p:spPr>
+          <a:xfrm>
+            <a:off x="8281107" y="559545"/>
+            <a:ext cx="2518291" cy="369332"/>
+          </a:xfrm>
+          <a:prstGeom prst="rect">
+            <a:avLst/>
+          </a:prstGeom>
+          <a:noFill/>
+        </p:spPr>
+        <p:txBody>
+          <a:bodyPr wrap="square" rtlCol="0">
+            <a:spAutoFit/>
+          </a:bodyPr>
+          <a:lstStyle/>
+          <a:p>
+            <a:r>
+              <a:rPr lang="en-SG" b="1" dirty="0"/>
+              <a:t>Confirm Borrow</a:t>
+            </a:r>
+          </a:p>
+        </p:txBody>
+      </p:sp>
+      <p:sp>
+        <p:nvSpPr>
+          <p:cNvPr id="35" name="Rectangle 34">
+            <a:extLst>
+              <a:ext uri="{FF2B5EF4-FFF2-40B4-BE49-F238E27FC236}">
+                <a16:creationId xmlns:a16="http://schemas.microsoft.com/office/drawing/2014/main" id="{371CD011-54A6-4482-925F-518A9FA480D7}"/>
+              </a:ext>
+            </a:extLst>
+          </p:cNvPr>
+          <p:cNvSpPr/>
+          <p:nvPr/>
+        </p:nvSpPr>
+        <p:spPr>
+          <a:xfrm>
+            <a:off x="8281107" y="2885219"/>
+            <a:ext cx="2847878" cy="882397"/>
+          </a:xfrm>
+          <a:prstGeom prst="rect">
+            <a:avLst/>
+          </a:prstGeom>
+          <a:solidFill>
+            <a:schemeClr val="bg1"/>
+          </a:solidFill>
+          <a:ln w="28575">
+            <a:solidFill>
+              <a:schemeClr val="tx1">
+                <a:lumMod val="85000"/>
+                <a:lumOff val="15000"/>
+              </a:schemeClr>
+            </a:solidFill>
+            <a:prstDash val="sysDot"/>
+          </a:ln>
+        </p:spPr>
+        <p:style>
+          <a:lnRef idx="2">
+            <a:schemeClr val="accent1">
+              <a:shade val="50000"/>
+            </a:schemeClr>
+          </a:lnRef>
+          <a:fillRef idx="1">
+            <a:schemeClr val="accent1"/>
+          </a:fillRef>
+          <a:effectRef idx="0">
+            <a:schemeClr val="accent1"/>
+          </a:effectRef>
+          <a:fontRef idx="minor">
+            <a:schemeClr val="lt1"/>
+          </a:fontRef>
+        </p:style>
+        <p:txBody>
+          <a:bodyPr rtlCol="0" anchor="ctr"/>
+          <a:lstStyle/>
+          <a:p>
+            <a:pPr algn="ctr"/>
+            <a:r>
+              <a:rPr lang="en-SG" dirty="0">
+                <a:solidFill>
+                  <a:schemeClr val="tx1"/>
+                </a:solidFill>
+              </a:rPr>
+              <a:t>Backend: </a:t>
+            </a:r>
+          </a:p>
+          <a:p>
+            <a:pPr algn="ctr"/>
+            <a:r>
+              <a:rPr lang="en-SG" dirty="0">
+                <a:solidFill>
+                  <a:schemeClr val="tx1"/>
+                </a:solidFill>
+              </a:rPr>
+              <a:t>Record [user] pays [</a:t>
+            </a:r>
+            <a:r>
+              <a:rPr lang="en-SG" dirty="0" err="1">
+                <a:solidFill>
+                  <a:schemeClr val="tx1"/>
+                </a:solidFill>
+              </a:rPr>
+              <a:t>total_fine</a:t>
+            </a:r>
+            <a:r>
+              <a:rPr lang="en-SG" dirty="0">
+                <a:solidFill>
+                  <a:schemeClr val="tx1"/>
+                </a:solidFill>
+              </a:rPr>
+              <a:t>]</a:t>
+            </a:r>
+          </a:p>
+        </p:txBody>
+      </p:sp>
+      <p:sp>
+        <p:nvSpPr>
+          <p:cNvPr id="18" name="Rectangle 17">
+            <a:extLst>
+              <a:ext uri="{FF2B5EF4-FFF2-40B4-BE49-F238E27FC236}">
+                <a16:creationId xmlns:a16="http://schemas.microsoft.com/office/drawing/2014/main" id="{5088F218-137A-4DDA-8F9A-8C53D137A6B6}"/>
+              </a:ext>
+            </a:extLst>
+          </p:cNvPr>
+          <p:cNvSpPr/>
+          <p:nvPr/>
+        </p:nvSpPr>
+        <p:spPr>
+          <a:xfrm>
+            <a:off x="8281107" y="4272196"/>
+            <a:ext cx="2847878" cy="2169701"/>
+          </a:xfrm>
+          <a:prstGeom prst="rect">
+            <a:avLst/>
+          </a:prstGeom>
+          <a:solidFill>
+            <a:schemeClr val="bg1"/>
+          </a:solidFill>
+          <a:ln w="28575">
+            <a:solidFill>
+              <a:schemeClr val="tx1">
+                <a:lumMod val="85000"/>
+                <a:lumOff val="15000"/>
+              </a:schemeClr>
+            </a:solidFill>
+          </a:ln>
+        </p:spPr>
+        <p:style>
+          <a:lnRef idx="2">
+            <a:schemeClr val="accent1">
+              <a:shade val="50000"/>
+            </a:schemeClr>
+          </a:lnRef>
+          <a:fillRef idx="1">
+            <a:schemeClr val="accent1"/>
+          </a:fillRef>
+          <a:effectRef idx="0">
+            <a:schemeClr val="accent1"/>
+          </a:effectRef>
+          <a:fontRef idx="minor">
+            <a:schemeClr val="lt1"/>
+          </a:fontRef>
+        </p:style>
+        <p:txBody>
+          <a:bodyPr rtlCol="0" anchor="ctr"/>
+          <a:lstStyle/>
+          <a:p>
+            <a:pPr algn="ctr"/>
+            <a:endParaRPr lang="en-SG" dirty="0">
+              <a:solidFill>
+                <a:schemeClr val="tx1"/>
+              </a:solidFill>
+            </a:endParaRPr>
+          </a:p>
+        </p:txBody>
+      </p:sp>
+      <p:sp>
+        <p:nvSpPr>
+          <p:cNvPr id="2" name="Rectangle 1">
+            <a:extLst>
+              <a:ext uri="{FF2B5EF4-FFF2-40B4-BE49-F238E27FC236}">
+                <a16:creationId xmlns:a16="http://schemas.microsoft.com/office/drawing/2014/main" id="{4C143B3D-3604-4EE8-A89F-7467F1A3EDC6}"/>
+              </a:ext>
+            </a:extLst>
+          </p:cNvPr>
+          <p:cNvSpPr/>
+          <p:nvPr/>
+        </p:nvSpPr>
+        <p:spPr>
+          <a:xfrm>
+            <a:off x="702058" y="4516338"/>
+            <a:ext cx="1268432" cy="1268432"/>
+          </a:xfrm>
+          <a:prstGeom prst="rect">
+            <a:avLst/>
+          </a:prstGeom>
+        </p:spPr>
+        <p:style>
+          <a:lnRef idx="2">
+            <a:schemeClr val="accent1">
+              <a:shade val="50000"/>
+            </a:schemeClr>
+          </a:lnRef>
+          <a:fillRef idx="1">
+            <a:schemeClr val="accent1"/>
+          </a:fillRef>
+          <a:effectRef idx="0">
+            <a:schemeClr val="accent1"/>
+          </a:effectRef>
+          <a:fontRef idx="minor">
+            <a:schemeClr val="lt1"/>
+          </a:fontRef>
+        </p:style>
+        <p:txBody>
+          <a:bodyPr rtlCol="0" anchor="ctr"/>
+          <a:lstStyle/>
+          <a:p>
+            <a:pPr algn="ctr"/>
+            <a:endParaRPr lang="en-SG"/>
+          </a:p>
+        </p:txBody>
+      </p:sp>
+      <p:sp>
+        <p:nvSpPr>
+          <p:cNvPr id="4" name="TextBox 3">
+            <a:extLst>
+              <a:ext uri="{FF2B5EF4-FFF2-40B4-BE49-F238E27FC236}">
+                <a16:creationId xmlns:a16="http://schemas.microsoft.com/office/drawing/2014/main" id="{98224537-E0A9-4F67-9F20-CBCFA295E876}"/>
+              </a:ext>
+            </a:extLst>
+          </p:cNvPr>
+          <p:cNvSpPr txBox="1"/>
+          <p:nvPr/>
+        </p:nvSpPr>
+        <p:spPr>
+          <a:xfrm>
+            <a:off x="2071095" y="4516338"/>
+            <a:ext cx="1099335" cy="369332"/>
+          </a:xfrm>
+          <a:prstGeom prst="rect">
+            <a:avLst/>
+          </a:prstGeom>
+          <a:noFill/>
+        </p:spPr>
+        <p:txBody>
+          <a:bodyPr wrap="square" rtlCol="0">
+            <a:spAutoFit/>
+          </a:bodyPr>
+          <a:lstStyle/>
+          <a:p>
+            <a:r>
+              <a:rPr lang="en-SG" dirty="0" err="1"/>
+              <a:t>BookTitle</a:t>
+            </a:r>
+            <a:endParaRPr lang="en-SG" dirty="0"/>
+          </a:p>
+        </p:txBody>
+      </p:sp>
+      <p:sp>
+        <p:nvSpPr>
+          <p:cNvPr id="20" name="TextBox 19">
+            <a:extLst>
+              <a:ext uri="{FF2B5EF4-FFF2-40B4-BE49-F238E27FC236}">
+                <a16:creationId xmlns:a16="http://schemas.microsoft.com/office/drawing/2014/main" id="{671E443A-AF7A-47D0-88F6-96009A1DA301}"/>
+              </a:ext>
+            </a:extLst>
+          </p:cNvPr>
+          <p:cNvSpPr txBox="1"/>
+          <p:nvPr/>
+        </p:nvSpPr>
+        <p:spPr>
+          <a:xfrm>
+            <a:off x="2071095" y="4851926"/>
+            <a:ext cx="3684705" cy="646331"/>
+          </a:xfrm>
+          <a:prstGeom prst="rect">
+            <a:avLst/>
+          </a:prstGeom>
+          <a:noFill/>
+        </p:spPr>
+        <p:txBody>
+          <a:bodyPr wrap="square" rtlCol="0">
+            <a:spAutoFit/>
+          </a:bodyPr>
+          <a:lstStyle/>
+          <a:p>
+            <a:r>
+              <a:rPr lang="en-SG" i="1" dirty="0"/>
+              <a:t>This book is a book about Java and Object Oriented Programming </a:t>
+            </a:r>
+          </a:p>
+        </p:txBody>
+      </p:sp>
+      <p:sp>
+        <p:nvSpPr>
+          <p:cNvPr id="21" name="TextBox 20">
+            <a:extLst>
+              <a:ext uri="{FF2B5EF4-FFF2-40B4-BE49-F238E27FC236}">
+                <a16:creationId xmlns:a16="http://schemas.microsoft.com/office/drawing/2014/main" id="{804BC96A-0970-4EBD-A8B4-54470D7A1029}"/>
+              </a:ext>
+            </a:extLst>
+          </p:cNvPr>
+          <p:cNvSpPr txBox="1"/>
+          <p:nvPr/>
+        </p:nvSpPr>
+        <p:spPr>
+          <a:xfrm>
+            <a:off x="2071096" y="5443700"/>
+            <a:ext cx="3250920" cy="369332"/>
+          </a:xfrm>
+          <a:prstGeom prst="rect">
+            <a:avLst/>
+          </a:prstGeom>
+          <a:noFill/>
+        </p:spPr>
+        <p:txBody>
+          <a:bodyPr wrap="square" rtlCol="0">
+            <a:spAutoFit/>
+          </a:bodyPr>
+          <a:lstStyle/>
+          <a:p>
+            <a:r>
+              <a:rPr lang="en-SG" b="1" dirty="0"/>
+              <a:t>ISBN: </a:t>
+            </a:r>
+            <a:r>
+              <a:rPr lang="en-SG" dirty="0"/>
+              <a:t>5555555555 </a:t>
+            </a:r>
+          </a:p>
+        </p:txBody>
+      </p:sp>
+      <p:sp>
+        <p:nvSpPr>
+          <p:cNvPr id="23" name="TextBox 22">
+            <a:extLst>
+              <a:ext uri="{FF2B5EF4-FFF2-40B4-BE49-F238E27FC236}">
+                <a16:creationId xmlns:a16="http://schemas.microsoft.com/office/drawing/2014/main" id="{5D4B0125-FEA3-445D-9F6D-0352305DEC39}"/>
+              </a:ext>
+            </a:extLst>
+          </p:cNvPr>
+          <p:cNvSpPr txBox="1"/>
+          <p:nvPr/>
+        </p:nvSpPr>
+        <p:spPr>
+          <a:xfrm>
+            <a:off x="566630" y="2549978"/>
+            <a:ext cx="6097712" cy="1754326"/>
+          </a:xfrm>
+          <a:prstGeom prst="rect">
+            <a:avLst/>
+          </a:prstGeom>
+          <a:noFill/>
+        </p:spPr>
+        <p:txBody>
+          <a:bodyPr wrap="square">
+            <a:spAutoFit/>
+          </a:bodyPr>
+          <a:lstStyle/>
+          <a:p>
+            <a:pPr marL="342900" indent="-342900">
+              <a:buFont typeface="+mj-lt"/>
+              <a:buAutoNum type="arabicPeriod"/>
+            </a:pPr>
+            <a:r>
+              <a:rPr lang="en-SG" dirty="0" err="1">
+                <a:solidFill>
+                  <a:schemeClr val="tx1"/>
+                </a:solidFill>
+              </a:rPr>
+              <a:t>BookID</a:t>
+            </a:r>
+            <a:r>
+              <a:rPr lang="en-SG" dirty="0">
+                <a:solidFill>
+                  <a:schemeClr val="tx1"/>
+                </a:solidFill>
+              </a:rPr>
+              <a:t> | Title | availability | expected due date |</a:t>
+            </a:r>
+          </a:p>
+          <a:p>
+            <a:pPr marL="342900" indent="-342900">
+              <a:buFont typeface="+mj-lt"/>
+              <a:buAutoNum type="arabicPeriod"/>
+            </a:pPr>
+            <a:r>
+              <a:rPr lang="en-SG" dirty="0" err="1">
+                <a:solidFill>
+                  <a:schemeClr val="tx1"/>
+                </a:solidFill>
+              </a:rPr>
+              <a:t>BookID</a:t>
+            </a:r>
+            <a:r>
+              <a:rPr lang="en-SG" dirty="0">
+                <a:solidFill>
+                  <a:schemeClr val="tx1"/>
+                </a:solidFill>
+              </a:rPr>
+              <a:t> | Title | </a:t>
+            </a:r>
+            <a:r>
+              <a:rPr lang="en-SG" dirty="0">
+                <a:solidFill>
+                  <a:srgbClr val="00B050"/>
+                </a:solidFill>
+              </a:rPr>
+              <a:t>available</a:t>
+            </a:r>
+            <a:r>
+              <a:rPr lang="en-SG" dirty="0">
+                <a:solidFill>
+                  <a:schemeClr val="tx1"/>
+                </a:solidFill>
+              </a:rPr>
+              <a:t> | - | [borrow]</a:t>
+            </a:r>
+          </a:p>
+          <a:p>
+            <a:pPr marL="342900" indent="-342900">
+              <a:buFont typeface="+mj-lt"/>
+              <a:buAutoNum type="arabicPeriod"/>
+            </a:pPr>
+            <a:r>
+              <a:rPr lang="en-SG" dirty="0" err="1">
+                <a:solidFill>
+                  <a:schemeClr val="tx1"/>
+                </a:solidFill>
+              </a:rPr>
+              <a:t>BookID</a:t>
+            </a:r>
+            <a:r>
+              <a:rPr lang="en-SG" dirty="0">
+                <a:solidFill>
+                  <a:schemeClr val="tx1"/>
+                </a:solidFill>
+              </a:rPr>
+              <a:t> | Title | </a:t>
+            </a:r>
+            <a:r>
+              <a:rPr lang="en-SG" dirty="0">
+                <a:solidFill>
+                  <a:srgbClr val="FF0000"/>
+                </a:solidFill>
+              </a:rPr>
+              <a:t>loaned</a:t>
+            </a:r>
+            <a:r>
+              <a:rPr lang="en-SG" dirty="0">
+                <a:solidFill>
+                  <a:schemeClr val="tx1"/>
+                </a:solidFill>
+              </a:rPr>
+              <a:t> | dd/mm/</a:t>
+            </a:r>
+            <a:r>
+              <a:rPr lang="en-SG" dirty="0" err="1">
+                <a:solidFill>
+                  <a:schemeClr val="tx1"/>
+                </a:solidFill>
+              </a:rPr>
+              <a:t>yy</a:t>
+            </a:r>
+            <a:r>
+              <a:rPr lang="en-SG" dirty="0">
+                <a:solidFill>
+                  <a:schemeClr val="tx1"/>
+                </a:solidFill>
+              </a:rPr>
+              <a:t> | [reserve]</a:t>
+            </a:r>
+          </a:p>
+          <a:p>
+            <a:pPr marL="342900" indent="-342900">
+              <a:buFont typeface="+mj-lt"/>
+              <a:buAutoNum type="arabicPeriod"/>
+            </a:pPr>
+            <a:r>
+              <a:rPr lang="en-SG" dirty="0" err="1">
+                <a:solidFill>
+                  <a:schemeClr val="tx1"/>
+                </a:solidFill>
+              </a:rPr>
+              <a:t>BookID</a:t>
+            </a:r>
+            <a:r>
+              <a:rPr lang="en-SG" dirty="0">
+                <a:solidFill>
+                  <a:schemeClr val="tx1"/>
+                </a:solidFill>
+              </a:rPr>
+              <a:t> | Title | </a:t>
+            </a:r>
+            <a:r>
+              <a:rPr lang="en-SG" dirty="0">
+                <a:solidFill>
+                  <a:srgbClr val="FF0000"/>
+                </a:solidFill>
+              </a:rPr>
+              <a:t>reserved</a:t>
+            </a:r>
+            <a:r>
+              <a:rPr lang="en-SG" dirty="0">
+                <a:solidFill>
+                  <a:schemeClr val="tx1"/>
+                </a:solidFill>
+              </a:rPr>
+              <a:t> | dd/mm/</a:t>
+            </a:r>
+            <a:r>
+              <a:rPr lang="en-SG" dirty="0" err="1">
+                <a:solidFill>
+                  <a:schemeClr val="tx1"/>
+                </a:solidFill>
+              </a:rPr>
+              <a:t>yy</a:t>
+            </a:r>
+            <a:r>
+              <a:rPr lang="en-SG" dirty="0">
+                <a:solidFill>
+                  <a:schemeClr val="tx1"/>
+                </a:solidFill>
+              </a:rPr>
+              <a:t> | [-]</a:t>
+            </a:r>
+          </a:p>
+          <a:p>
+            <a:pPr marL="342900" indent="-342900">
+              <a:buFont typeface="+mj-lt"/>
+              <a:buAutoNum type="arabicPeriod"/>
+            </a:pPr>
+            <a:r>
+              <a:rPr lang="en-SG" dirty="0" err="1">
+                <a:solidFill>
+                  <a:schemeClr val="tx1"/>
+                </a:solidFill>
+              </a:rPr>
+              <a:t>BookID</a:t>
+            </a:r>
+            <a:r>
+              <a:rPr lang="en-SG" dirty="0">
+                <a:solidFill>
+                  <a:schemeClr val="tx1"/>
+                </a:solidFill>
+              </a:rPr>
+              <a:t> | Title | </a:t>
+            </a:r>
+            <a:r>
+              <a:rPr lang="en-SG" dirty="0">
+                <a:solidFill>
+                  <a:srgbClr val="FF0000"/>
+                </a:solidFill>
+              </a:rPr>
+              <a:t>reserved</a:t>
+            </a:r>
+            <a:r>
+              <a:rPr lang="en-SG" dirty="0">
+                <a:solidFill>
+                  <a:schemeClr val="tx1"/>
+                </a:solidFill>
+              </a:rPr>
+              <a:t> | dd/mm/</a:t>
+            </a:r>
+            <a:r>
+              <a:rPr lang="en-SG" dirty="0" err="1">
+                <a:solidFill>
+                  <a:schemeClr val="tx1"/>
+                </a:solidFill>
+              </a:rPr>
+              <a:t>yy</a:t>
+            </a:r>
+            <a:r>
+              <a:rPr lang="en-SG" dirty="0">
+                <a:solidFill>
+                  <a:schemeClr val="tx1"/>
+                </a:solidFill>
+              </a:rPr>
+              <a:t> | [-]</a:t>
+            </a:r>
+          </a:p>
+          <a:p>
+            <a:pPr marL="342900" indent="-342900">
+              <a:buFont typeface="+mj-lt"/>
+              <a:buAutoNum type="arabicPeriod"/>
+            </a:pPr>
+            <a:r>
+              <a:rPr lang="en-SG" dirty="0" err="1">
+                <a:solidFill>
+                  <a:schemeClr val="tx1"/>
+                </a:solidFill>
+              </a:rPr>
+              <a:t>BookID</a:t>
+            </a:r>
+            <a:r>
+              <a:rPr lang="en-SG" dirty="0">
+                <a:solidFill>
+                  <a:schemeClr val="tx1"/>
+                </a:solidFill>
+              </a:rPr>
+              <a:t> | Title | </a:t>
+            </a:r>
+            <a:r>
+              <a:rPr lang="en-SG" dirty="0">
+                <a:solidFill>
+                  <a:srgbClr val="FF0000"/>
+                </a:solidFill>
+              </a:rPr>
+              <a:t>reserved</a:t>
+            </a:r>
+            <a:r>
+              <a:rPr lang="en-SG" dirty="0">
+                <a:solidFill>
+                  <a:schemeClr val="tx1"/>
+                </a:solidFill>
+              </a:rPr>
+              <a:t> | dd/mm/</a:t>
+            </a:r>
+            <a:r>
+              <a:rPr lang="en-SG" dirty="0" err="1">
+                <a:solidFill>
+                  <a:schemeClr val="tx1"/>
+                </a:solidFill>
+              </a:rPr>
+              <a:t>yy</a:t>
+            </a:r>
+            <a:r>
+              <a:rPr lang="en-SG" dirty="0">
+                <a:solidFill>
+                  <a:schemeClr val="tx1"/>
+                </a:solidFill>
+              </a:rPr>
+              <a:t> | [-]</a:t>
+            </a:r>
+          </a:p>
+        </p:txBody>
+      </p:sp>
+      <p:sp>
+        <p:nvSpPr>
+          <p:cNvPr id="6" name="Rectangle 5">
+            <a:extLst>
+              <a:ext uri="{FF2B5EF4-FFF2-40B4-BE49-F238E27FC236}">
+                <a16:creationId xmlns:a16="http://schemas.microsoft.com/office/drawing/2014/main" id="{881A462A-D98E-41B6-81CC-2141873FA945}"/>
+              </a:ext>
+            </a:extLst>
+          </p:cNvPr>
+          <p:cNvSpPr/>
+          <p:nvPr/>
+        </p:nvSpPr>
+        <p:spPr>
+          <a:xfrm>
+            <a:off x="5630240" y="4695291"/>
+            <a:ext cx="1629311" cy="369332"/>
+          </a:xfrm>
+          <a:prstGeom prst="rect">
+            <a:avLst/>
+          </a:prstGeom>
+          <a:solidFill>
+            <a:schemeClr val="accent6">
+              <a:lumMod val="75000"/>
+            </a:schemeClr>
+          </a:solidFill>
+          <a:ln>
+            <a:solidFill>
+              <a:schemeClr val="tx1"/>
+            </a:solidFill>
+          </a:ln>
+        </p:spPr>
+        <p:style>
+          <a:lnRef idx="2">
+            <a:schemeClr val="accent1">
+              <a:shade val="50000"/>
+            </a:schemeClr>
+          </a:lnRef>
+          <a:fillRef idx="1">
+            <a:schemeClr val="accent1"/>
+          </a:fillRef>
+          <a:effectRef idx="0">
+            <a:schemeClr val="accent1"/>
+          </a:effectRef>
+          <a:fontRef idx="minor">
+            <a:schemeClr val="lt1"/>
+          </a:fontRef>
+        </p:style>
+        <p:txBody>
+          <a:bodyPr rtlCol="0" anchor="ctr"/>
+          <a:lstStyle/>
+          <a:p>
+            <a:pPr algn="ctr"/>
+            <a:r>
+              <a:rPr lang="en-SG" dirty="0"/>
+              <a:t>Borrow</a:t>
+            </a:r>
+          </a:p>
+        </p:txBody>
+      </p:sp>
+      <p:sp>
+        <p:nvSpPr>
+          <p:cNvPr id="25" name="Rectangle 24">
+            <a:extLst>
+              <a:ext uri="{FF2B5EF4-FFF2-40B4-BE49-F238E27FC236}">
+                <a16:creationId xmlns:a16="http://schemas.microsoft.com/office/drawing/2014/main" id="{7913DE7F-2CB6-4F76-AE58-E79A28CDF925}"/>
+              </a:ext>
+            </a:extLst>
+          </p:cNvPr>
+          <p:cNvSpPr/>
+          <p:nvPr/>
+        </p:nvSpPr>
+        <p:spPr>
+          <a:xfrm>
+            <a:off x="5630240" y="5276657"/>
+            <a:ext cx="1629311" cy="369332"/>
+          </a:xfrm>
+          <a:prstGeom prst="rect">
+            <a:avLst/>
+          </a:prstGeom>
+          <a:solidFill>
+            <a:schemeClr val="accent4">
+              <a:lumMod val="75000"/>
+            </a:schemeClr>
+          </a:solidFill>
+          <a:ln>
+            <a:solidFill>
+              <a:schemeClr val="tx1"/>
+            </a:solidFill>
+          </a:ln>
+        </p:spPr>
+        <p:style>
+          <a:lnRef idx="2">
+            <a:schemeClr val="accent1">
+              <a:shade val="50000"/>
+            </a:schemeClr>
+          </a:lnRef>
+          <a:fillRef idx="1">
+            <a:schemeClr val="accent1"/>
+          </a:fillRef>
+          <a:effectRef idx="0">
+            <a:schemeClr val="accent1"/>
+          </a:effectRef>
+          <a:fontRef idx="minor">
+            <a:schemeClr val="lt1"/>
+          </a:fontRef>
+        </p:style>
+        <p:txBody>
+          <a:bodyPr rtlCol="0" anchor="ctr"/>
+          <a:lstStyle/>
+          <a:p>
+            <a:pPr algn="ctr"/>
+            <a:r>
+              <a:rPr lang="en-SG" dirty="0"/>
+              <a:t>Reserve</a:t>
+            </a:r>
+          </a:p>
+        </p:txBody>
+      </p:sp>
+      <p:pic>
+        <p:nvPicPr>
+          <p:cNvPr id="8" name="Picture 7">
+            <a:extLst>
+              <a:ext uri="{FF2B5EF4-FFF2-40B4-BE49-F238E27FC236}">
+                <a16:creationId xmlns:a16="http://schemas.microsoft.com/office/drawing/2014/main" id="{74E05740-BBD3-4521-AC99-9C45BFE89AD2}"/>
+              </a:ext>
+            </a:extLst>
+          </p:cNvPr>
+          <p:cNvPicPr>
+            <a:picLocks noChangeAspect="1"/>
+          </p:cNvPicPr>
+          <p:nvPr/>
+        </p:nvPicPr>
+        <p:blipFill>
+          <a:blip r:embed="rId2"/>
+          <a:stretch>
+            <a:fillRect/>
+          </a:stretch>
+        </p:blipFill>
+        <p:spPr>
+          <a:xfrm>
+            <a:off x="566630" y="2421398"/>
+            <a:ext cx="5372100" cy="1905749"/>
+          </a:xfrm>
+          <a:prstGeom prst="rect">
+            <a:avLst/>
+          </a:prstGeom>
+        </p:spPr>
+      </p:pic>
+      <p:sp>
+        <p:nvSpPr>
+          <p:cNvPr id="26" name="TextBox 25">
+            <a:extLst>
+              <a:ext uri="{FF2B5EF4-FFF2-40B4-BE49-F238E27FC236}">
+                <a16:creationId xmlns:a16="http://schemas.microsoft.com/office/drawing/2014/main" id="{C4CB6928-8EFA-47B3-ACAE-C779726B71EE}"/>
+              </a:ext>
+            </a:extLst>
+          </p:cNvPr>
+          <p:cNvSpPr txBox="1"/>
+          <p:nvPr/>
+        </p:nvSpPr>
+        <p:spPr>
+          <a:xfrm>
+            <a:off x="1357946" y="1101663"/>
+            <a:ext cx="5988076" cy="368773"/>
+          </a:xfrm>
+          <a:prstGeom prst="rect">
+            <a:avLst/>
+          </a:prstGeom>
+          <a:noFill/>
+        </p:spPr>
+        <p:txBody>
+          <a:bodyPr wrap="square">
+            <a:spAutoFit/>
+          </a:bodyPr>
+          <a:lstStyle/>
+          <a:p>
+            <a:pPr algn="r"/>
+            <a:r>
+              <a:rPr lang="en-SG" dirty="0">
+                <a:solidFill>
+                  <a:schemeClr val="tx1"/>
+                </a:solidFill>
+              </a:rPr>
+              <a:t>Search</a:t>
+            </a:r>
+          </a:p>
+        </p:txBody>
+      </p:sp>
+    </p:spTree>
+    <p:extLst>
+      <p:ext uri="{BB962C8B-B14F-4D97-AF65-F5344CB8AC3E}">
+        <p14:creationId xmlns:p14="http://schemas.microsoft.com/office/powerpoint/2010/main" val="3789174776"/>
+      </p:ext>
+    </p:extLst>
+  </p:cSld>
+  <p:clrMapOvr>
+    <a:masterClrMapping/>
+  </p:clrMapOvr>
+</p:sld>
+</file>
+
+<file path=ppt/slides/slide5.xml><?xml version="1.0" encoding="utf-8"?>
+<p:sld xmlns:a="http://schemas.openxmlformats.org/drawingml/2006/main" xmlns:r="http://schemas.openxmlformats.org/officeDocument/2006/relationships" xmlns:p="http://schemas.openxmlformats.org/presentationml/2006/main">
+  <p:cSld>
+    <p:spTree>
+      <p:nvGrpSpPr>
+        <p:cNvPr id="1" name=""/>
+        <p:cNvGrpSpPr/>
+        <p:nvPr/>
+      </p:nvGrpSpPr>
+      <p:grpSpPr>
+        <a:xfrm>
+          <a:off x="0" y="0"/>
+          <a:ext cx="0" cy="0"/>
+          <a:chOff x="0" y="0"/>
+          <a:chExt cx="0" cy="0"/>
+        </a:xfrm>
+      </p:grpSpPr>
+      <p:sp>
+        <p:nvSpPr>
+          <p:cNvPr id="16" name="Rectangle 15">
+            <a:extLst>
+              <a:ext uri="{FF2B5EF4-FFF2-40B4-BE49-F238E27FC236}">
+                <a16:creationId xmlns:a16="http://schemas.microsoft.com/office/drawing/2014/main" id="{BF98EB40-D38B-44ED-A60D-381236C5B6D7}"/>
+              </a:ext>
+            </a:extLst>
+          </p:cNvPr>
+          <p:cNvSpPr/>
+          <p:nvPr/>
+        </p:nvSpPr>
+        <p:spPr>
+          <a:xfrm>
+            <a:off x="536367" y="619017"/>
+            <a:ext cx="7161115" cy="5619965"/>
+          </a:xfrm>
+          <a:prstGeom prst="rect">
+            <a:avLst/>
+          </a:prstGeom>
+          <a:solidFill>
+            <a:schemeClr val="bg1"/>
+          </a:solidFill>
+          <a:ln w="28575">
+            <a:solidFill>
+              <a:schemeClr val="tx1">
+                <a:lumMod val="85000"/>
+                <a:lumOff val="15000"/>
+              </a:schemeClr>
+            </a:solidFill>
+          </a:ln>
+        </p:spPr>
+        <p:style>
+          <a:lnRef idx="2">
+            <a:schemeClr val="accent1">
+              <a:shade val="50000"/>
+            </a:schemeClr>
+          </a:lnRef>
+          <a:fillRef idx="1">
+            <a:schemeClr val="accent1"/>
+          </a:fillRef>
+          <a:effectRef idx="0">
+            <a:schemeClr val="accent1"/>
+          </a:effectRef>
+          <a:fontRef idx="minor">
+            <a:schemeClr val="lt1"/>
+          </a:fontRef>
+        </p:style>
+        <p:txBody>
+          <a:bodyPr rtlCol="0" anchor="ctr"/>
+          <a:lstStyle/>
+          <a:p>
+            <a:pPr algn="ctr"/>
+            <a:endParaRPr lang="en-SG" dirty="0">
+              <a:solidFill>
+                <a:schemeClr val="tx1"/>
+              </a:solidFill>
+            </a:endParaRPr>
+          </a:p>
+        </p:txBody>
+      </p:sp>
+      <p:sp>
+        <p:nvSpPr>
+          <p:cNvPr id="17" name="TextBox 16">
+            <a:extLst>
+              <a:ext uri="{FF2B5EF4-FFF2-40B4-BE49-F238E27FC236}">
+                <a16:creationId xmlns:a16="http://schemas.microsoft.com/office/drawing/2014/main" id="{7F61FBF8-E6FB-4B4C-A7AE-C80827EB3AF9}"/>
+              </a:ext>
+            </a:extLst>
+          </p:cNvPr>
+          <p:cNvSpPr txBox="1"/>
+          <p:nvPr/>
+        </p:nvSpPr>
+        <p:spPr>
+          <a:xfrm>
+            <a:off x="536367" y="237502"/>
+            <a:ext cx="2518291" cy="369332"/>
+          </a:xfrm>
+          <a:prstGeom prst="rect">
+            <a:avLst/>
+          </a:prstGeom>
+          <a:noFill/>
+        </p:spPr>
+        <p:txBody>
+          <a:bodyPr wrap="square" rtlCol="0">
+            <a:spAutoFit/>
+          </a:bodyPr>
+          <a:lstStyle/>
+          <a:p>
+            <a:r>
+              <a:rPr lang="en-SG" b="1" dirty="0"/>
+              <a:t>Admin Pane</a:t>
+            </a:r>
+          </a:p>
+        </p:txBody>
+      </p:sp>
+      <p:sp>
+        <p:nvSpPr>
+          <p:cNvPr id="29" name="Rectangle 28">
+            <a:extLst>
+              <a:ext uri="{FF2B5EF4-FFF2-40B4-BE49-F238E27FC236}">
+                <a16:creationId xmlns:a16="http://schemas.microsoft.com/office/drawing/2014/main" id="{D2261F96-298D-49F9-AA00-5D7A23A8D39A}"/>
+              </a:ext>
+            </a:extLst>
+          </p:cNvPr>
+          <p:cNvSpPr/>
+          <p:nvPr/>
+        </p:nvSpPr>
+        <p:spPr>
+          <a:xfrm>
+            <a:off x="536367" y="620125"/>
+            <a:ext cx="7161115" cy="395021"/>
+          </a:xfrm>
+          <a:prstGeom prst="rect">
+            <a:avLst/>
+          </a:prstGeom>
+          <a:solidFill>
+            <a:schemeClr val="bg1">
+              <a:lumMod val="85000"/>
+            </a:schemeClr>
+          </a:solidFill>
+          <a:ln w="28575">
+            <a:solidFill>
+              <a:schemeClr val="tx1">
+                <a:lumMod val="85000"/>
+                <a:lumOff val="15000"/>
+              </a:schemeClr>
+            </a:solidFill>
+          </a:ln>
+        </p:spPr>
+        <p:style>
+          <a:lnRef idx="2">
+            <a:schemeClr val="accent1">
+              <a:shade val="50000"/>
+            </a:schemeClr>
+          </a:lnRef>
+          <a:fillRef idx="1">
+            <a:schemeClr val="accent1"/>
+          </a:fillRef>
+          <a:effectRef idx="0">
+            <a:schemeClr val="accent1"/>
+          </a:effectRef>
+          <a:fontRef idx="minor">
+            <a:schemeClr val="lt1"/>
+          </a:fontRef>
+        </p:style>
+        <p:txBody>
+          <a:bodyPr rtlCol="0" anchor="ctr"/>
+          <a:lstStyle/>
+          <a:p>
+            <a:pPr algn="ctr"/>
+            <a:endParaRPr lang="en-SG" dirty="0">
+              <a:solidFill>
+                <a:schemeClr val="tx1"/>
+              </a:solidFill>
+            </a:endParaRPr>
+          </a:p>
+        </p:txBody>
+      </p:sp>
+      <p:sp>
+        <p:nvSpPr>
+          <p:cNvPr id="30" name="Rectangle 29">
+            <a:extLst>
+              <a:ext uri="{FF2B5EF4-FFF2-40B4-BE49-F238E27FC236}">
+                <a16:creationId xmlns:a16="http://schemas.microsoft.com/office/drawing/2014/main" id="{4C6823D8-4F2C-43C3-B603-EA24FD79599B}"/>
+              </a:ext>
+            </a:extLst>
+          </p:cNvPr>
+          <p:cNvSpPr/>
+          <p:nvPr/>
+        </p:nvSpPr>
+        <p:spPr>
+          <a:xfrm>
+            <a:off x="5702157" y="694891"/>
+            <a:ext cx="1916557" cy="268271"/>
+          </a:xfrm>
+          <a:prstGeom prst="rect">
+            <a:avLst/>
+          </a:prstGeom>
+          <a:solidFill>
+            <a:schemeClr val="bg1"/>
+          </a:solidFill>
+          <a:ln w="28575">
+            <a:solidFill>
+              <a:schemeClr val="tx1">
+                <a:lumMod val="85000"/>
+                <a:lumOff val="15000"/>
+              </a:schemeClr>
+            </a:solidFill>
+          </a:ln>
+        </p:spPr>
+        <p:style>
+          <a:lnRef idx="2">
+            <a:schemeClr val="accent1">
+              <a:shade val="50000"/>
+            </a:schemeClr>
+          </a:lnRef>
+          <a:fillRef idx="1">
+            <a:schemeClr val="accent1"/>
+          </a:fillRef>
+          <a:effectRef idx="0">
+            <a:schemeClr val="accent1"/>
+          </a:effectRef>
+          <a:fontRef idx="minor">
+            <a:schemeClr val="lt1"/>
+          </a:fontRef>
+        </p:style>
+        <p:txBody>
+          <a:bodyPr rtlCol="0" anchor="ctr"/>
+          <a:lstStyle/>
+          <a:p>
+            <a:pPr algn="ctr"/>
+            <a:r>
+              <a:rPr lang="en-SG" dirty="0">
+                <a:solidFill>
+                  <a:schemeClr val="tx1"/>
+                </a:solidFill>
+              </a:rPr>
+              <a:t>Welcome </a:t>
+            </a:r>
+            <a:r>
+              <a:rPr lang="en-SG" b="1" dirty="0">
+                <a:solidFill>
+                  <a:schemeClr val="tx1"/>
+                </a:solidFill>
+              </a:rPr>
+              <a:t>Admin</a:t>
+            </a:r>
+          </a:p>
+        </p:txBody>
+      </p:sp>
+      <p:sp>
+        <p:nvSpPr>
+          <p:cNvPr id="31" name="Arrow: Left 30">
+            <a:extLst>
+              <a:ext uri="{FF2B5EF4-FFF2-40B4-BE49-F238E27FC236}">
+                <a16:creationId xmlns:a16="http://schemas.microsoft.com/office/drawing/2014/main" id="{378C0F18-AAF0-42E2-A516-83FFDDCD0265}"/>
+              </a:ext>
+            </a:extLst>
+          </p:cNvPr>
+          <p:cNvSpPr/>
+          <p:nvPr/>
+        </p:nvSpPr>
+        <p:spPr>
+          <a:xfrm>
+            <a:off x="658811" y="685014"/>
+            <a:ext cx="312523" cy="247940"/>
+          </a:xfrm>
+          <a:prstGeom prst="leftArrow">
+            <a:avLst/>
+          </a:prstGeom>
+          <a:noFill/>
+          <a:ln w="28575">
+            <a:solidFill>
+              <a:schemeClr val="accent4"/>
+            </a:solidFill>
+          </a:ln>
+        </p:spPr>
+        <p:style>
+          <a:lnRef idx="2">
+            <a:schemeClr val="accent1">
+              <a:shade val="50000"/>
+            </a:schemeClr>
+          </a:lnRef>
+          <a:fillRef idx="1">
+            <a:schemeClr val="accent1"/>
+          </a:fillRef>
+          <a:effectRef idx="0">
+            <a:schemeClr val="accent1"/>
+          </a:effectRef>
+          <a:fontRef idx="minor">
+            <a:schemeClr val="lt1"/>
+          </a:fontRef>
+        </p:style>
+        <p:txBody>
+          <a:bodyPr rtlCol="0" anchor="ctr"/>
+          <a:lstStyle/>
+          <a:p>
+            <a:pPr algn="ctr"/>
+            <a:endParaRPr lang="en-SG"/>
+          </a:p>
+        </p:txBody>
+      </p:sp>
+      <p:sp>
+        <p:nvSpPr>
+          <p:cNvPr id="32" name="Arrow: Left 31">
+            <a:extLst>
+              <a:ext uri="{FF2B5EF4-FFF2-40B4-BE49-F238E27FC236}">
+                <a16:creationId xmlns:a16="http://schemas.microsoft.com/office/drawing/2014/main" id="{C15FF3B4-779D-413E-9E40-89A314D22ACD}"/>
+              </a:ext>
+            </a:extLst>
+          </p:cNvPr>
+          <p:cNvSpPr/>
+          <p:nvPr/>
+        </p:nvSpPr>
+        <p:spPr>
+          <a:xfrm rot="10800000">
+            <a:off x="1554959" y="685014"/>
+            <a:ext cx="312523" cy="247940"/>
+          </a:xfrm>
+          <a:prstGeom prst="leftArrow">
+            <a:avLst/>
+          </a:prstGeom>
+          <a:noFill/>
+          <a:ln w="28575">
+            <a:solidFill>
+              <a:schemeClr val="accent4"/>
+            </a:solidFill>
+          </a:ln>
+        </p:spPr>
+        <p:style>
+          <a:lnRef idx="2">
+            <a:schemeClr val="accent1">
+              <a:shade val="50000"/>
+            </a:schemeClr>
+          </a:lnRef>
+          <a:fillRef idx="1">
+            <a:schemeClr val="accent1"/>
+          </a:fillRef>
+          <a:effectRef idx="0">
+            <a:schemeClr val="accent1"/>
+          </a:effectRef>
+          <a:fontRef idx="minor">
+            <a:schemeClr val="lt1"/>
+          </a:fontRef>
+        </p:style>
+        <p:txBody>
+          <a:bodyPr rtlCol="0" anchor="ctr"/>
+          <a:lstStyle/>
+          <a:p>
+            <a:pPr algn="ctr"/>
+            <a:endParaRPr lang="en-SG"/>
           </a:p>
         </p:txBody>
       </p:sp>
